--- a/tests/doc/cucumber_EN.pptx
+++ b/tests/doc/cucumber_EN.pptx
@@ -207,7 +207,7 @@
                 <a:latin typeface="Arial" pitchFamily="34" charset="0"/>
               </a:rPr>
               <a:pPr/>
-              <a:t>12/11/2015</a:t>
+              <a:t>12/14/2015</a:t>
             </a:fld>
             <a:endParaRPr lang="en-US" dirty="0">
               <a:latin typeface="Arial" pitchFamily="34" charset="0"/>
@@ -386,7 +386,7 @@
             <a:fld id="{B5D7A87D-1CDA-443F-BAE3-82C9C05446C3}" type="datetimeFigureOut">
               <a:rPr lang="en-US" smtClean="0"/>
               <a:pPr/>
-              <a:t>12/11/2015</a:t>
+              <a:t>12/14/2015</a:t>
             </a:fld>
             <a:endParaRPr lang="en-US" dirty="0"/>
           </a:p>
@@ -47422,11 +47422,7 @@
             </a:r>
             <a:r>
               <a:rPr lang="en-US" dirty="0" smtClean="0"/>
-              <a:t> de </a:t>
-            </a:r>
-            <a:r>
-              <a:rPr lang="en-US" dirty="0" smtClean="0"/>
-              <a:t>playback tool van de Selenium IDE.</a:t>
+              <a:t> de playback tool van de Selenium IDE.</a:t>
             </a:r>
           </a:p>
           <a:p>
@@ -47918,6 +47914,33 @@
               </a:rPr>
               <a:t>)</a:t>
             </a:r>
+            <a:endParaRPr lang="en-US" sz="1200" dirty="0" smtClean="0"/>
+          </a:p>
+          <a:p>
+            <a:r>
+              <a:rPr lang="en-US" sz="1200">
+                <a:hlinkClick r:id="rId6"/>
+              </a:rPr>
+              <a:t>https</a:t>
+            </a:r>
+            <a:r>
+              <a:rPr lang="en-US" sz="1200">
+                <a:hlinkClick r:id="rId6"/>
+              </a:rPr>
+              <a:t>://</a:t>
+            </a:r>
+            <a:r>
+              <a:rPr lang="en-US" sz="1200" smtClean="0">
+                <a:hlinkClick r:id="rId6"/>
+              </a:rPr>
+              <a:t>github.com/cucumber/cucumber/wiki/Feature-Introduction</a:t>
+            </a:r>
+            <a:endParaRPr lang="en-US" sz="1200" smtClean="0"/>
+          </a:p>
+          <a:p>
+            <a:pPr marL="0" indent="0">
+              <a:buNone/>
+            </a:pPr>
             <a:endParaRPr lang="en-US" sz="1200" dirty="0" smtClean="0"/>
           </a:p>
           <a:p>
@@ -48873,66 +48896,6 @@
 </file>
 
 <file path=customXml/item1.xml><?xml version="1.0" encoding="utf-8"?>
-<p:properties xmlns:p="http://schemas.microsoft.com/office/2006/metadata/properties" xmlns:xsi="http://www.w3.org/2001/XMLSchema-instance">
-  <documentManagement>
-    <CSMeta2010Field xmlns="http://schemas.microsoft.com/sharepoint/v3">1a056891-c488-4e64-97d5-efb696972246;2015-01-25 16:28:34;AUTOCLASSIFIED;Business theme:2015-01-25 16:28:34|False||AUTOCLASSIFIED|2015-01-25 16:28:34|UNDEFINED;Organization:2015-01-25 16:28:34|False||AUTOCLASSIFIED|2015-01-25 16:28:34|UNDEFINED;Sector:2015-01-25 16:28:34|False||AUTOCLASSIFIED|2015-01-25 16:28:34|UNDEFINED;Proposition:2015-01-25 16:28:34|False||AUTOCLASSIFIED|2015-01-25 16:28:34|UNDEFINED;Service line:2015-01-25 16:28:34|False||AUTOCLASSIFIED|2015-01-25 16:28:34|UNDEFINED;True</CSMeta2010Field>
-    <c5aebc35b3e840e5912c276ffe755dcf xmlns="d95a5b16-1b8d-4c7c-9ebf-89c0983b6970">
-      <Terms xmlns="http://schemas.microsoft.com/office/infopath/2007/PartnerControls"/>
-    </c5aebc35b3e840e5912c276ffe755dcf>
-    <c79d12643ffc4d60ab657aaa1718cc32 xmlns="d95a5b16-1b8d-4c7c-9ebf-89c0983b6970">
-      <Terms xmlns="http://schemas.microsoft.com/office/infopath/2007/PartnerControls">
-        <TermInfo xmlns="http://schemas.microsoft.com/office/infopath/2007/PartnerControls">
-          <TermName xmlns="http://schemas.microsoft.com/office/infopath/2007/PartnerControls">Group</TermName>
-          <TermId xmlns="http://schemas.microsoft.com/office/infopath/2007/PartnerControls">43ac7042-3752-4f1b-8a93-43b36e65d3e5</TermId>
-        </TermInfo>
-      </Terms>
-    </c79d12643ffc4d60ab657aaa1718cc32>
-    <p43f7bb208e443c9b50eb304fe6606a3 xmlns="d95a5b16-1b8d-4c7c-9ebf-89c0983b6970">
-      <Terms xmlns="http://schemas.microsoft.com/office/infopath/2007/PartnerControls"/>
-    </p43f7bb208e443c9b50eb304fe6606a3>
-    <TaxCatchAll xmlns="d95a5b16-1b8d-4c7c-9ebf-89c0983b6970">
-      <Value>260</Value>
-    </TaxCatchAll>
-    <h4c66fbf292e4125b0e390af25f11c04 xmlns="d95a5b16-1b8d-4c7c-9ebf-89c0983b6970">
-      <Terms xmlns="http://schemas.microsoft.com/office/infopath/2007/PartnerControls"/>
-    </h4c66fbf292e4125b0e390af25f11c04>
-    <eafb632c3f5c40ba98242be6bbd6bb17 xmlns="d95a5b16-1b8d-4c7c-9ebf-89c0983b6970">
-      <Terms xmlns="http://schemas.microsoft.com/office/infopath/2007/PartnerControls"/>
-    </eafb632c3f5c40ba98242be6bbd6bb17>
-    <Creator xmlns="d95a5b16-1b8d-4c7c-9ebf-89c0983b6970" xsi:nil="true"/>
-    <Language xmlns="http://schemas.microsoft.com/sharepoint/v3">EN</Language>
-    <Abstract xmlns="d95a5b16-1b8d-4c7c-9ebf-89c0983b6970">CGI-ice-option_EN</Abstract>
-    <External_x0020_Use xmlns="d95a5b16-1b8d-4c7c-9ebf-89c0983b6970">No</External_x0020_Use>
-    <Owner_x0020_Organisation xmlns="d95a5b16-1b8d-4c7c-9ebf-89c0983b6970">Group</Owner_x0020_Organisation>
-    <BS_x0020_Document_x0020_Sub_x0020_Type xmlns="d95a5b16-1b8d-4c7c-9ebf-89c0983b6970">Pro Forma</BS_x0020_Document_x0020_Sub_x0020_Type>
-    <Market xmlns="d95a5b16-1b8d-4c7c-9ebf-89c0983b6970"/>
-    <Best_x0020_Before_x0020_Date xmlns="d95a5b16-1b8d-4c7c-9ebf-89c0983b6970">2018-01-09T00:00:00+00:00</Best_x0020_Before_x0020_Date>
-    <Published_x0020_By xmlns="d95a5b16-1b8d-4c7c-9ebf-89c0983b6970">
-      <UserInfo>
-        <DisplayName>Stiller, Regina C</DisplayName>
-        <AccountId>55167</AccountId>
-        <AccountType/>
-      </UserInfo>
-    </Published_x0020_By>
-    <Publication_x0020_Date xmlns="d95a5b16-1b8d-4c7c-9ebf-89c0983b6970">2013-01-09T00:00:00+00:00</Publication_x0020_Date>
-    <Geographic_x0020_Region xmlns="d95a5b16-1b8d-4c7c-9ebf-89c0983b6970"/>
-    <TaxKeywordTaxHTField xmlns="d95a5b16-1b8d-4c7c-9ebf-89c0983b6970">
-      <Terms xmlns="http://schemas.microsoft.com/office/infopath/2007/PartnerControls"/>
-    </TaxKeywordTaxHTField>
-  </documentManagement>
-</p:properties>
-</file>
-
-<file path=customXml/item2.xml><?xml version="1.0" encoding="utf-8"?>
-<?mso-contentType ?>
-<FormTemplates xmlns="http://schemas.microsoft.com/sharepoint/v3/contenttype/forms">
-  <Display>DocumentLibraryForm</Display>
-  <Edit>DocumentLibraryForm</Edit>
-  <New>DocumentLibraryForm</New>
-</FormTemplates>
-</file>
-
-<file path=customXml/item3.xml><?xml version="1.0" encoding="utf-8"?>
 <?mso-contentType ?>
 <spe:Receivers xmlns:spe="http://schemas.microsoft.com/sharepoint/events">
   <Receiver>
@@ -49056,6 +49019,66 @@
     <Filter/>
   </Receiver>
 </spe:Receivers>
+</file>
+
+<file path=customXml/item2.xml><?xml version="1.0" encoding="utf-8"?>
+<?mso-contentType ?>
+<FormTemplates xmlns="http://schemas.microsoft.com/sharepoint/v3/contenttype/forms">
+  <Display>DocumentLibraryForm</Display>
+  <Edit>DocumentLibraryForm</Edit>
+  <New>DocumentLibraryForm</New>
+</FormTemplates>
+</file>
+
+<file path=customXml/item3.xml><?xml version="1.0" encoding="utf-8"?>
+<p:properties xmlns:p="http://schemas.microsoft.com/office/2006/metadata/properties" xmlns:xsi="http://www.w3.org/2001/XMLSchema-instance">
+  <documentManagement>
+    <CSMeta2010Field xmlns="http://schemas.microsoft.com/sharepoint/v3">1a056891-c488-4e64-97d5-efb696972246;2015-01-25 16:28:34;AUTOCLASSIFIED;Business theme:2015-01-25 16:28:34|False||AUTOCLASSIFIED|2015-01-25 16:28:34|UNDEFINED;Organization:2015-01-25 16:28:34|False||AUTOCLASSIFIED|2015-01-25 16:28:34|UNDEFINED;Sector:2015-01-25 16:28:34|False||AUTOCLASSIFIED|2015-01-25 16:28:34|UNDEFINED;Proposition:2015-01-25 16:28:34|False||AUTOCLASSIFIED|2015-01-25 16:28:34|UNDEFINED;Service line:2015-01-25 16:28:34|False||AUTOCLASSIFIED|2015-01-25 16:28:34|UNDEFINED;True</CSMeta2010Field>
+    <c5aebc35b3e840e5912c276ffe755dcf xmlns="d95a5b16-1b8d-4c7c-9ebf-89c0983b6970">
+      <Terms xmlns="http://schemas.microsoft.com/office/infopath/2007/PartnerControls"/>
+    </c5aebc35b3e840e5912c276ffe755dcf>
+    <c79d12643ffc4d60ab657aaa1718cc32 xmlns="d95a5b16-1b8d-4c7c-9ebf-89c0983b6970">
+      <Terms xmlns="http://schemas.microsoft.com/office/infopath/2007/PartnerControls">
+        <TermInfo xmlns="http://schemas.microsoft.com/office/infopath/2007/PartnerControls">
+          <TermName xmlns="http://schemas.microsoft.com/office/infopath/2007/PartnerControls">Group</TermName>
+          <TermId xmlns="http://schemas.microsoft.com/office/infopath/2007/PartnerControls">43ac7042-3752-4f1b-8a93-43b36e65d3e5</TermId>
+        </TermInfo>
+      </Terms>
+    </c79d12643ffc4d60ab657aaa1718cc32>
+    <p43f7bb208e443c9b50eb304fe6606a3 xmlns="d95a5b16-1b8d-4c7c-9ebf-89c0983b6970">
+      <Terms xmlns="http://schemas.microsoft.com/office/infopath/2007/PartnerControls"/>
+    </p43f7bb208e443c9b50eb304fe6606a3>
+    <TaxCatchAll xmlns="d95a5b16-1b8d-4c7c-9ebf-89c0983b6970">
+      <Value>260</Value>
+    </TaxCatchAll>
+    <h4c66fbf292e4125b0e390af25f11c04 xmlns="d95a5b16-1b8d-4c7c-9ebf-89c0983b6970">
+      <Terms xmlns="http://schemas.microsoft.com/office/infopath/2007/PartnerControls"/>
+    </h4c66fbf292e4125b0e390af25f11c04>
+    <eafb632c3f5c40ba98242be6bbd6bb17 xmlns="d95a5b16-1b8d-4c7c-9ebf-89c0983b6970">
+      <Terms xmlns="http://schemas.microsoft.com/office/infopath/2007/PartnerControls"/>
+    </eafb632c3f5c40ba98242be6bbd6bb17>
+    <Creator xmlns="d95a5b16-1b8d-4c7c-9ebf-89c0983b6970" xsi:nil="true"/>
+    <Language xmlns="http://schemas.microsoft.com/sharepoint/v3">EN</Language>
+    <Abstract xmlns="d95a5b16-1b8d-4c7c-9ebf-89c0983b6970">CGI-ice-option_EN</Abstract>
+    <External_x0020_Use xmlns="d95a5b16-1b8d-4c7c-9ebf-89c0983b6970">No</External_x0020_Use>
+    <Owner_x0020_Organisation xmlns="d95a5b16-1b8d-4c7c-9ebf-89c0983b6970">Group</Owner_x0020_Organisation>
+    <BS_x0020_Document_x0020_Sub_x0020_Type xmlns="d95a5b16-1b8d-4c7c-9ebf-89c0983b6970">Pro Forma</BS_x0020_Document_x0020_Sub_x0020_Type>
+    <Market xmlns="d95a5b16-1b8d-4c7c-9ebf-89c0983b6970"/>
+    <Best_x0020_Before_x0020_Date xmlns="d95a5b16-1b8d-4c7c-9ebf-89c0983b6970">2018-01-09T00:00:00+00:00</Best_x0020_Before_x0020_Date>
+    <Published_x0020_By xmlns="d95a5b16-1b8d-4c7c-9ebf-89c0983b6970">
+      <UserInfo>
+        <DisplayName>Stiller, Regina C</DisplayName>
+        <AccountId>55167</AccountId>
+        <AccountType/>
+      </UserInfo>
+    </Published_x0020_By>
+    <Publication_x0020_Date xmlns="d95a5b16-1b8d-4c7c-9ebf-89c0983b6970">2013-01-09T00:00:00+00:00</Publication_x0020_Date>
+    <Geographic_x0020_Region xmlns="d95a5b16-1b8d-4c7c-9ebf-89c0983b6970"/>
+    <TaxKeywordTaxHTField xmlns="d95a5b16-1b8d-4c7c-9ebf-89c0983b6970">
+      <Terms xmlns="http://schemas.microsoft.com/office/infopath/2007/PartnerControls"/>
+    </TaxKeywordTaxHTField>
+  </documentManagement>
+</p:properties>
 </file>
 
 <file path=customXml/item4.xml><?xml version="1.0" encoding="utf-8"?>
@@ -49459,12 +49482,9 @@
 </file>
 
 <file path=customXml/itemProps1.xml><?xml version="1.0" encoding="utf-8"?>
-<ds:datastoreItem xmlns:ds="http://schemas.openxmlformats.org/officeDocument/2006/customXml" ds:itemID="{2F4C4F6A-F6A5-45C8-BAAA-52FB70E387C7}">
+<ds:datastoreItem xmlns:ds="http://schemas.openxmlformats.org/officeDocument/2006/customXml" ds:itemID="{292B128B-852E-4970-B7DA-406C2DC81E71}">
   <ds:schemaRefs>
-    <ds:schemaRef ds:uri="http://schemas.microsoft.com/office/2006/metadata/properties"/>
-    <ds:schemaRef ds:uri="http://schemas.microsoft.com/sharepoint/v3"/>
-    <ds:schemaRef ds:uri="d95a5b16-1b8d-4c7c-9ebf-89c0983b6970"/>
-    <ds:schemaRef ds:uri="http://schemas.microsoft.com/office/infopath/2007/PartnerControls"/>
+    <ds:schemaRef ds:uri="http://schemas.microsoft.com/sharepoint/events"/>
   </ds:schemaRefs>
 </ds:datastoreItem>
 </file>
@@ -49478,9 +49498,12 @@
 </file>
 
 <file path=customXml/itemProps3.xml><?xml version="1.0" encoding="utf-8"?>
-<ds:datastoreItem xmlns:ds="http://schemas.openxmlformats.org/officeDocument/2006/customXml" ds:itemID="{292B128B-852E-4970-B7DA-406C2DC81E71}">
+<ds:datastoreItem xmlns:ds="http://schemas.openxmlformats.org/officeDocument/2006/customXml" ds:itemID="{2F4C4F6A-F6A5-45C8-BAAA-52FB70E387C7}">
   <ds:schemaRefs>
-    <ds:schemaRef ds:uri="http://schemas.microsoft.com/sharepoint/events"/>
+    <ds:schemaRef ds:uri="http://schemas.microsoft.com/office/2006/metadata/properties"/>
+    <ds:schemaRef ds:uri="http://schemas.microsoft.com/sharepoint/v3"/>
+    <ds:schemaRef ds:uri="d95a5b16-1b8d-4c7c-9ebf-89c0983b6970"/>
+    <ds:schemaRef ds:uri="http://schemas.microsoft.com/office/infopath/2007/PartnerControls"/>
   </ds:schemaRefs>
 </ds:datastoreItem>
 </file>
